--- a/trunk/PRESENTACION03-P2/FINAL/PPT PI2 FINAL.pptx
+++ b/trunk/PRESENTACION03-P2/FINAL/PPT PI2 FINAL.pptx
@@ -16408,8 +16408,8 @@
         </p:nvSpPr>
         <p:spPr>
           <a:xfrm>
-            <a:off x="539552" y="3429000"/>
-            <a:ext cx="8229600" cy="1252538"/>
+            <a:off x="539552" y="2996952"/>
+            <a:ext cx="8229600" cy="2448272"/>
           </a:xfrm>
         </p:spPr>
         <p:txBody>
@@ -16441,9 +16441,47 @@
               </a:rPr>
               <a:t>concepto</a:t>
             </a:r>
-            <a:endParaRPr lang="es-PE" b="1" dirty="0" smtClean="0">
+            <a:r>
+              <a:rPr lang="en-US" b="1" dirty="0" smtClean="0">
+                <a:solidFill>
+                  <a:schemeClr val="tx2"/>
+                </a:solidFill>
+              </a:rPr>
+              <a:t/>
+            </a:r>
+            <a:br>
+              <a:rPr lang="en-US" b="1" dirty="0" smtClean="0">
+                <a:solidFill>
+                  <a:schemeClr val="tx2"/>
+                </a:solidFill>
+              </a:rPr>
+            </a:br>
+            <a:r>
+              <a:rPr lang="es-ES" sz="3200" dirty="0" smtClean="0">
+                <a:solidFill>
+                  <a:srgbClr val="C00000"/>
+                </a:solidFill>
+              </a:rPr>
+              <a:t>CUS001_Realizar_mantenimiento_datos_generales_Encuesta</a:t>
+            </a:r>
+            <a:br>
+              <a:rPr lang="es-ES" sz="3200" dirty="0" smtClean="0">
+                <a:solidFill>
+                  <a:srgbClr val="C00000"/>
+                </a:solidFill>
+              </a:rPr>
+            </a:br>
+            <a:r>
+              <a:rPr lang="es-ES" sz="3200" dirty="0" smtClean="0">
+                <a:solidFill>
+                  <a:srgbClr val="C00000"/>
+                </a:solidFill>
+              </a:rPr>
+              <a:t>CUS002_Realizar_mantenimiento_MarcoMuestral</a:t>
+            </a:r>
+            <a:endParaRPr lang="es-PE" sz="3200" b="1" dirty="0" smtClean="0">
               <a:solidFill>
-                <a:schemeClr val="tx2"/>
+                <a:srgbClr val="C00000"/>
               </a:solidFill>
             </a:endParaRPr>
           </a:p>
@@ -16693,25 +16731,7 @@
                 </a:solidFill>
                 <a:latin typeface="Arial Narrow" pitchFamily="34" charset="0"/>
               </a:rPr>
-              <a:t>definir y organizar los elementos de hardware así como la definición de </a:t>
-            </a:r>
-            <a:r>
-              <a:rPr lang="es-PE" sz="1600" dirty="0" smtClean="0">
-                <a:solidFill>
-                  <a:srgbClr val="8C2902"/>
-                </a:solidFill>
-                <a:latin typeface="Arial Narrow" pitchFamily="34" charset="0"/>
-              </a:rPr>
-              <a:t>las soluciones </a:t>
-            </a:r>
-            <a:r>
-              <a:rPr lang="es-PE" sz="1600" dirty="0" smtClean="0">
-                <a:solidFill>
-                  <a:srgbClr val="8C2902"/>
-                </a:solidFill>
-                <a:latin typeface="Arial Narrow" pitchFamily="34" charset="0"/>
-              </a:rPr>
-              <a:t>a los requerimientos iniciales los cuales deben ser contemplados en el desarrollo e implementación del proyecto.</a:t>
+              <a:t>definir y organizar los elementos de hardware así como la definición de las soluciones a los requerimientos iniciales los cuales deben ser contemplados en el desarrollo e implementación del proyecto.</a:t>
             </a:r>
             <a:br>
               <a:rPr lang="es-PE" sz="1600" dirty="0" smtClean="0">
@@ -20005,16 +20025,6 @@
                         </a:rPr>
                         <a:t>N|</a:t>
                       </a:r>
-                      <a:endParaRPr kumimoji="0" lang="es-ES" sz="1400" b="0" i="0" u="none" strike="noStrike" cap="none" normalizeH="0" baseline="0" dirty="0" smtClean="0">
-                        <a:ln>
-                          <a:noFill/>
-                        </a:ln>
-                        <a:solidFill>
-                          <a:schemeClr val="tx2"/>
-                        </a:solidFill>
-                        <a:effectLst/>
-                        <a:latin typeface="Arial Narrow" pitchFamily="34" charset="0"/>
-                      </a:endParaRPr>
                     </a:p>
                   </a:txBody>
                   <a:tcPr horzOverflow="overflow">
@@ -20097,16 +20107,6 @@
                         </a:rPr>
                         <a:t>Descripción</a:t>
                       </a:r>
-                      <a:endParaRPr kumimoji="0" lang="es-ES" sz="1400" b="0" i="0" u="none" strike="noStrike" cap="none" normalizeH="0" baseline="0" dirty="0" smtClean="0">
-                        <a:ln>
-                          <a:noFill/>
-                        </a:ln>
-                        <a:solidFill>
-                          <a:schemeClr val="tx2"/>
-                        </a:solidFill>
-                        <a:effectLst/>
-                        <a:latin typeface="Arial Narrow" pitchFamily="34" charset="0"/>
-                      </a:endParaRPr>
                     </a:p>
                   </a:txBody>
                   <a:tcPr horzOverflow="overflow">
